--- a/Model/Bonus.pptx
+++ b/Model/Bonus.pptx
@@ -114,7 +114,16 @@
       </a:defRPr>
     </a:lvl9pPr>
   </p:defaultTextStyle>
+  <p:extLst>
+    <p:ext uri="{EFAFB233-063F-42B5-8137-9DF3F51BA10A}">
+      <p15:sldGuideLst xmlns:p15="http://schemas.microsoft.com/office/powerpoint/2012/main"/>
+    </p:ext>
+  </p:extLst>
 </p:presentation>
+</file>
+
+<file path=ppt/revisionInfo.xml><?xml version="1.0" encoding="utf-8"?>
+<p1510:revInfo xmlns:a="http://schemas.openxmlformats.org/drawingml/2006/main" xmlns:r="http://schemas.openxmlformats.org/officeDocument/2006/relationships" xmlns:p1510="http://schemas.microsoft.com/office/powerpoint/2015/10/main"/>
 </file>
 
 <file path=ppt/slideLayouts/slideLayout1.xml><?xml version="1.0" encoding="utf-8"?>
@@ -391,7 +400,7 @@
           <a:p>
             <a:fld id="{13E9394E-8422-42B9-840B-92DC0E7EB6D2}" type="datetimeFigureOut">
               <a:rPr lang="en-US" smtClean="0"/>
-              <a:t>11/27/2017</a:t>
+              <a:t>11/29/2017</a:t>
             </a:fld>
             <a:endParaRPr lang="en-US"/>
           </a:p>
@@ -805,7 +814,7 @@
           <a:p>
             <a:fld id="{13E9394E-8422-42B9-840B-92DC0E7EB6D2}" type="datetimeFigureOut">
               <a:rPr lang="en-US" smtClean="0"/>
-              <a:t>11/27/2017</a:t>
+              <a:t>11/29/2017</a:t>
             </a:fld>
             <a:endParaRPr lang="en-US"/>
           </a:p>
@@ -1141,7 +1150,7 @@
           <a:p>
             <a:fld id="{13E9394E-8422-42B9-840B-92DC0E7EB6D2}" type="datetimeFigureOut">
               <a:rPr lang="en-US" smtClean="0"/>
-              <a:t>11/27/2017</a:t>
+              <a:t>11/29/2017</a:t>
             </a:fld>
             <a:endParaRPr lang="en-US"/>
           </a:p>
@@ -1546,7 +1555,7 @@
           <a:p>
             <a:fld id="{13E9394E-8422-42B9-840B-92DC0E7EB6D2}" type="datetimeFigureOut">
               <a:rPr lang="en-US" smtClean="0"/>
-              <a:t>11/27/2017</a:t>
+              <a:t>11/29/2017</a:t>
             </a:fld>
             <a:endParaRPr lang="en-US"/>
           </a:p>
@@ -2114,7 +2123,7 @@
           <a:p>
             <a:fld id="{13E9394E-8422-42B9-840B-92DC0E7EB6D2}" type="datetimeFigureOut">
               <a:rPr lang="en-US" smtClean="0"/>
-              <a:t>11/27/2017</a:t>
+              <a:t>11/29/2017</a:t>
             </a:fld>
             <a:endParaRPr lang="en-US"/>
           </a:p>
@@ -2795,7 +2804,7 @@
           <a:p>
             <a:fld id="{13E9394E-8422-42B9-840B-92DC0E7EB6D2}" type="datetimeFigureOut">
               <a:rPr lang="en-US" smtClean="0"/>
-              <a:t>11/27/2017</a:t>
+              <a:t>11/29/2017</a:t>
             </a:fld>
             <a:endParaRPr lang="en-US"/>
           </a:p>
@@ -3708,7 +3717,7 @@
           <a:p>
             <a:fld id="{13E9394E-8422-42B9-840B-92DC0E7EB6D2}" type="datetimeFigureOut">
               <a:rPr lang="en-US" smtClean="0"/>
-              <a:t>11/27/2017</a:t>
+              <a:t>11/29/2017</a:t>
             </a:fld>
             <a:endParaRPr lang="en-US"/>
           </a:p>
@@ -4021,7 +4030,7 @@
           <a:p>
             <a:fld id="{13E9394E-8422-42B9-840B-92DC0E7EB6D2}" type="datetimeFigureOut">
               <a:rPr lang="en-US" smtClean="0"/>
-              <a:t>11/27/2017</a:t>
+              <a:t>11/29/2017</a:t>
             </a:fld>
             <a:endParaRPr lang="en-US"/>
           </a:p>
@@ -4285,7 +4294,7 @@
           <a:p>
             <a:fld id="{13E9394E-8422-42B9-840B-92DC0E7EB6D2}" type="datetimeFigureOut">
               <a:rPr lang="en-US" smtClean="0"/>
-              <a:t>11/27/2017</a:t>
+              <a:t>11/29/2017</a:t>
             </a:fld>
             <a:endParaRPr lang="en-US"/>
           </a:p>
@@ -4608,7 +4617,7 @@
           <a:p>
             <a:fld id="{13E9394E-8422-42B9-840B-92DC0E7EB6D2}" type="datetimeFigureOut">
               <a:rPr lang="en-US" smtClean="0"/>
-              <a:t>11/27/2017</a:t>
+              <a:t>11/29/2017</a:t>
             </a:fld>
             <a:endParaRPr lang="en-US"/>
           </a:p>
@@ -4997,7 +5006,7 @@
           <a:p>
             <a:fld id="{13E9394E-8422-42B9-840B-92DC0E7EB6D2}" type="datetimeFigureOut">
               <a:rPr lang="en-US" smtClean="0"/>
-              <a:t>11/27/2017</a:t>
+              <a:t>11/29/2017</a:t>
             </a:fld>
             <a:endParaRPr lang="en-US"/>
           </a:p>
@@ -5373,7 +5382,7 @@
           <a:p>
             <a:fld id="{13E9394E-8422-42B9-840B-92DC0E7EB6D2}" type="datetimeFigureOut">
               <a:rPr lang="en-US" smtClean="0"/>
-              <a:t>11/27/2017</a:t>
+              <a:t>11/29/2017</a:t>
             </a:fld>
             <a:endParaRPr lang="en-US"/>
           </a:p>
@@ -5879,7 +5888,7 @@
           <a:p>
             <a:fld id="{13E9394E-8422-42B9-840B-92DC0E7EB6D2}" type="datetimeFigureOut">
               <a:rPr lang="en-US" smtClean="0"/>
-              <a:t>11/27/2017</a:t>
+              <a:t>11/29/2017</a:t>
             </a:fld>
             <a:endParaRPr lang="en-US"/>
           </a:p>
@@ -6136,7 +6145,7 @@
           <a:p>
             <a:fld id="{13E9394E-8422-42B9-840B-92DC0E7EB6D2}" type="datetimeFigureOut">
               <a:rPr lang="en-US" smtClean="0"/>
-              <a:t>11/27/2017</a:t>
+              <a:t>11/29/2017</a:t>
             </a:fld>
             <a:endParaRPr lang="en-US"/>
           </a:p>
@@ -6299,7 +6308,7 @@
           <a:p>
             <a:fld id="{13E9394E-8422-42B9-840B-92DC0E7EB6D2}" type="datetimeFigureOut">
               <a:rPr lang="en-US" smtClean="0"/>
-              <a:t>11/27/2017</a:t>
+              <a:t>11/29/2017</a:t>
             </a:fld>
             <a:endParaRPr lang="en-US"/>
           </a:p>
@@ -6689,7 +6698,7 @@
           <a:p>
             <a:fld id="{13E9394E-8422-42B9-840B-92DC0E7EB6D2}" type="datetimeFigureOut">
               <a:rPr lang="en-US" smtClean="0"/>
-              <a:t>11/27/2017</a:t>
+              <a:t>11/29/2017</a:t>
             </a:fld>
             <a:endParaRPr lang="en-US"/>
           </a:p>
@@ -7098,7 +7107,7 @@
           <a:p>
             <a:fld id="{13E9394E-8422-42B9-840B-92DC0E7EB6D2}" type="datetimeFigureOut">
               <a:rPr lang="en-US" smtClean="0"/>
-              <a:t>11/27/2017</a:t>
+              <a:t>11/29/2017</a:t>
             </a:fld>
             <a:endParaRPr lang="en-US"/>
           </a:p>
@@ -7342,7 +7351,7 @@
           <a:p>
             <a:fld id="{13E9394E-8422-42B9-840B-92DC0E7EB6D2}" type="datetimeFigureOut">
               <a:rPr lang="en-US" smtClean="0"/>
-              <a:t>11/27/2017</a:t>
+              <a:t>11/29/2017</a:t>
             </a:fld>
             <a:endParaRPr lang="en-US"/>
           </a:p>
@@ -8249,15 +8258,7 @@
             </a:pPr>
             <a:r>
               <a:rPr lang="en-US" dirty="0"/>
-              <a:t>	If the variation is significant </a:t>
-            </a:r>
-            <a:r>
-              <a:rPr lang="en-US" dirty="0" err="1"/>
-              <a:t>enough,then</a:t>
-            </a:r>
-            <a:r>
-              <a:rPr lang="en-US" dirty="0"/>
-              <a:t> the null hypotheses is rejected</a:t>
+              <a:t>	If the variation is significant enough, then the null hypotheses is rejected</a:t>
             </a:r>
           </a:p>
         </p:txBody>
@@ -8493,21 +8494,8 @@
             </a:pPr>
             <a:r>
               <a:rPr lang="en-US" dirty="0"/>
-              <a:t>	1) Select two POI of varying density and launch the same </a:t>
-            </a:r>
-            <a:r>
-              <a:rPr lang="en-US" dirty="0" err="1"/>
-              <a:t>adertisement</a:t>
-            </a:r>
-            <a:r>
-              <a:rPr lang="en-US" dirty="0"/>
-              <a:t> </a:t>
-            </a:r>
-            <a:r>
-              <a:rPr lang="en-US" dirty="0" err="1"/>
-              <a:t>promtoion</a:t>
-            </a:r>
-            <a:endParaRPr lang="en-US" dirty="0"/>
+              <a:t>	1) Select two POI of varying density and launch the same advertisement promotion</a:t>
+            </a:r>
           </a:p>
           <a:p>
             <a:pPr marL="0" indent="0">
